--- a/ProjectExecution/Sprint001-2020062920200711/ScrumBoard001.pptx
+++ b/ProjectExecution/Sprint001-2020062920200711/ScrumBoard001.pptx
@@ -243,7 +243,7 @@
   </p:defaultTextStyle>
   <p:extLst>
     <p:ext uri="{EFAFB233-063F-42B5-8137-9DF3F51BA10A}">
-      <p15:sldGuideLst xmlns:p15="http://schemas.microsoft.com/office/powerpoint/2012/main" xmlns:p14="http://schemas.microsoft.com/office/powerpoint/2010/main" xmlns:com="http://schemas.openxmlformats.org/drawingml/2006/compatibility" xmlns:pvml="urn:schemas-microsoft-com:office:powerpoint" xmlns:v="urn:schemas-microsoft-com:vml" xmlns:o="urn:schemas-microsoft-com:office:office" xmlns:dgm="http://schemas.openxmlformats.org/drawingml/2006/diagram" xmlns:c="http://schemas.openxmlformats.org/drawingml/2006/chart" xmlns:mv="urn:schemas-microsoft-com:mac:vml" xmlns:mc="http://schemas.openxmlformats.org/markup-compatibility/2006" xmlns="">
+      <p15:sldGuideLst xmlns="" xmlns:mc="http://schemas.openxmlformats.org/markup-compatibility/2006" xmlns:mv="urn:schemas-microsoft-com:mac:vml" xmlns:c="http://schemas.openxmlformats.org/drawingml/2006/chart" xmlns:dgm="http://schemas.openxmlformats.org/drawingml/2006/diagram" xmlns:o="urn:schemas-microsoft-com:office:office" xmlns:v="urn:schemas-microsoft-com:vml" xmlns:pvml="urn:schemas-microsoft-com:office:powerpoint" xmlns:com="http://schemas.openxmlformats.org/drawingml/2006/compatibility" xmlns:p14="http://schemas.microsoft.com/office/powerpoint/2010/main" xmlns:p15="http://schemas.microsoft.com/office/powerpoint/2012/main">
         <p15:guide id="1" orient="horz" pos="1620">
           <p15:clr>
             <a:srgbClr val="A4A3A4"/>
@@ -5584,7 +5584,7 @@
           <p:nvPr/>
         </p:nvGraphicFramePr>
         <p:xfrm>
-          <a:off x="0" y="1"/>
+          <a:off x="-9525" y="-9524"/>
           <a:ext cx="9144000" cy="5143498"/>
         </p:xfrm>
         <a:graphic>
@@ -6126,10 +6126,7 @@
                     <a:lstStyle/>
                     <a:p>
                       <a:pPr fontAlgn="t"/>
-                      <a:r>
-                        <a:rPr lang="en-US" sz="900"/>
-                        <a:t> </a:t>
-                      </a:r>
+                      <a:endParaRPr lang="en-US" sz="900" dirty="0"/>
                     </a:p>
                   </a:txBody>
                   <a:tcPr marL="63566" marR="63566" marT="63566" marB="63566">
@@ -6177,10 +6174,7 @@
                     <a:lstStyle/>
                     <a:p>
                       <a:pPr fontAlgn="t"/>
-                      <a:r>
-                        <a:rPr lang="en-US" sz="900" dirty="0"/>
-                        <a:t> </a:t>
-                      </a:r>
+                      <a:endParaRPr lang="en-US" sz="900" dirty="0"/>
                     </a:p>
                   </a:txBody>
                   <a:tcPr marL="63566" marR="63566" marT="63566" marB="63566">
@@ -6228,10 +6222,7 @@
                     <a:lstStyle/>
                     <a:p>
                       <a:pPr fontAlgn="t"/>
-                      <a:r>
-                        <a:rPr lang="en-US" sz="900" dirty="0"/>
-                        <a:t> </a:t>
-                      </a:r>
+                      <a:endParaRPr lang="en-US" sz="900" dirty="0"/>
                     </a:p>
                   </a:txBody>
                   <a:tcPr marL="63566" marR="63566" marT="63566" marB="63566">
@@ -6332,10 +6323,7 @@
                     <a:lstStyle/>
                     <a:p>
                       <a:pPr fontAlgn="t"/>
-                      <a:r>
-                        <a:rPr lang="en-US" sz="900"/>
-                        <a:t> </a:t>
-                      </a:r>
+                      <a:endParaRPr lang="en-US" sz="900"/>
                     </a:p>
                   </a:txBody>
                   <a:tcPr marL="63566" marR="63566" marT="63566" marB="63566">
@@ -6383,10 +6371,7 @@
                     <a:lstStyle/>
                     <a:p>
                       <a:pPr fontAlgn="t"/>
-                      <a:r>
-                        <a:rPr lang="en-US" sz="900"/>
-                        <a:t> </a:t>
-                      </a:r>
+                      <a:endParaRPr lang="en-US" sz="900" dirty="0"/>
                     </a:p>
                   </a:txBody>
                   <a:tcPr marL="63566" marR="63566" marT="63566" marB="63566">
@@ -6434,10 +6419,7 @@
                     <a:lstStyle/>
                     <a:p>
                       <a:pPr fontAlgn="t"/>
-                      <a:r>
-                        <a:rPr lang="en-US" sz="900"/>
-                        <a:t> </a:t>
-                      </a:r>
+                      <a:endParaRPr lang="en-US" sz="900" dirty="0"/>
                     </a:p>
                   </a:txBody>
                   <a:tcPr marL="63566" marR="63566" marT="63566" marB="63566">
@@ -6538,10 +6520,7 @@
                     <a:lstStyle/>
                     <a:p>
                       <a:pPr fontAlgn="t"/>
-                      <a:r>
-                        <a:rPr lang="en-US" sz="900"/>
-                        <a:t> </a:t>
-                      </a:r>
+                      <a:endParaRPr lang="en-US" sz="900"/>
                     </a:p>
                   </a:txBody>
                   <a:tcPr marL="63566" marR="63566" marT="63566" marB="63566">
@@ -6589,10 +6568,7 @@
                     <a:lstStyle/>
                     <a:p>
                       <a:pPr fontAlgn="t"/>
-                      <a:r>
-                        <a:rPr lang="en-US" sz="900"/>
-                        <a:t> </a:t>
-                      </a:r>
+                      <a:endParaRPr lang="en-US" sz="900"/>
                     </a:p>
                   </a:txBody>
                   <a:tcPr marL="63566" marR="63566" marT="63566" marB="63566">
@@ -6640,10 +6616,7 @@
                     <a:lstStyle/>
                     <a:p>
                       <a:pPr fontAlgn="t"/>
-                      <a:r>
-                        <a:rPr lang="en-US" sz="900"/>
-                        <a:t> </a:t>
-                      </a:r>
+                      <a:endParaRPr lang="en-US" sz="900" dirty="0"/>
                     </a:p>
                   </a:txBody>
                   <a:tcPr marL="63566" marR="63566" marT="63566" marB="63566">
@@ -6855,169 +6828,19 @@
           <a:lstStyle/>
           <a:p>
             <a:pPr algn="ctr"/>
-            <a:endParaRPr lang="en-US"/>
-          </a:p>
-        </p:txBody>
-      </p:sp>
-      <p:sp>
-        <p:nvSpPr>
-          <p:cNvPr id="7" name="Rectangle 6"/>
-          <p:cNvSpPr/>
-          <p:nvPr/>
-        </p:nvSpPr>
-        <p:spPr>
-          <a:xfrm>
-            <a:off x="236488" y="1791977"/>
-            <a:ext cx="788276" cy="546538"/>
-          </a:xfrm>
-          <a:prstGeom prst="rect">
-            <a:avLst/>
-          </a:prstGeom>
-          <a:solidFill>
-            <a:schemeClr val="accent1">
-              <a:lumMod val="40000"/>
-              <a:lumOff val="60000"/>
-            </a:schemeClr>
-          </a:solidFill>
-          <a:ln>
-            <a:solidFill>
-              <a:schemeClr val="accent1">
-                <a:lumMod val="40000"/>
-                <a:lumOff val="60000"/>
-              </a:schemeClr>
-            </a:solidFill>
-          </a:ln>
-        </p:spPr>
-        <p:style>
-          <a:lnRef idx="2">
-            <a:schemeClr val="accent1">
-              <a:shade val="50000"/>
-            </a:schemeClr>
-          </a:lnRef>
-          <a:fillRef idx="1">
-            <a:schemeClr val="accent1"/>
-          </a:fillRef>
-          <a:effectRef idx="0">
-            <a:schemeClr val="accent1"/>
-          </a:effectRef>
-          <a:fontRef idx="minor">
-            <a:schemeClr val="lt1"/>
-          </a:fontRef>
-        </p:style>
-        <p:txBody>
-          <a:bodyPr rtlCol="0" anchor="ctr"/>
-          <a:lstStyle/>
-          <a:p>
-            <a:pPr algn="ctr"/>
-            <a:endParaRPr lang="en-US"/>
-          </a:p>
-        </p:txBody>
-      </p:sp>
-      <p:sp>
-        <p:nvSpPr>
-          <p:cNvPr id="8" name="Rectangle 7"/>
-          <p:cNvSpPr/>
-          <p:nvPr/>
-        </p:nvSpPr>
-        <p:spPr>
-          <a:xfrm>
-            <a:off x="231238" y="2974357"/>
-            <a:ext cx="788276" cy="546538"/>
-          </a:xfrm>
-          <a:prstGeom prst="rect">
-            <a:avLst/>
-          </a:prstGeom>
-          <a:solidFill>
-            <a:schemeClr val="accent1">
-              <a:lumMod val="40000"/>
-              <a:lumOff val="60000"/>
-            </a:schemeClr>
-          </a:solidFill>
-          <a:ln>
-            <a:solidFill>
-              <a:schemeClr val="accent1">
-                <a:lumMod val="40000"/>
-                <a:lumOff val="60000"/>
-              </a:schemeClr>
-            </a:solidFill>
-          </a:ln>
-        </p:spPr>
-        <p:style>
-          <a:lnRef idx="2">
-            <a:schemeClr val="accent1">
-              <a:shade val="50000"/>
-            </a:schemeClr>
-          </a:lnRef>
-          <a:fillRef idx="1">
-            <a:schemeClr val="accent1"/>
-          </a:fillRef>
-          <a:effectRef idx="0">
-            <a:schemeClr val="accent1"/>
-          </a:effectRef>
-          <a:fontRef idx="minor">
-            <a:schemeClr val="lt1"/>
-          </a:fontRef>
-        </p:style>
-        <p:txBody>
-          <a:bodyPr rtlCol="0" anchor="ctr"/>
-          <a:lstStyle/>
-          <a:p>
-            <a:pPr algn="ctr"/>
-            <a:endParaRPr lang="en-US"/>
-          </a:p>
-        </p:txBody>
-      </p:sp>
-      <p:sp>
-        <p:nvSpPr>
-          <p:cNvPr id="9" name="Rectangle 8"/>
-          <p:cNvSpPr/>
-          <p:nvPr/>
-        </p:nvSpPr>
-        <p:spPr>
-          <a:xfrm>
-            <a:off x="236498" y="4146227"/>
-            <a:ext cx="788276" cy="546538"/>
-          </a:xfrm>
-          <a:prstGeom prst="rect">
-            <a:avLst/>
-          </a:prstGeom>
-          <a:solidFill>
-            <a:schemeClr val="accent1">
-              <a:lumMod val="40000"/>
-              <a:lumOff val="60000"/>
-            </a:schemeClr>
-          </a:solidFill>
-          <a:ln>
-            <a:solidFill>
-              <a:schemeClr val="accent1">
-                <a:lumMod val="40000"/>
-                <a:lumOff val="60000"/>
-              </a:schemeClr>
-            </a:solidFill>
-          </a:ln>
-        </p:spPr>
-        <p:style>
-          <a:lnRef idx="2">
-            <a:schemeClr val="accent1">
-              <a:shade val="50000"/>
-            </a:schemeClr>
-          </a:lnRef>
-          <a:fillRef idx="1">
-            <a:schemeClr val="accent1"/>
-          </a:fillRef>
-          <a:effectRef idx="0">
-            <a:schemeClr val="accent1"/>
-          </a:effectRef>
-          <a:fontRef idx="minor">
-            <a:schemeClr val="lt1"/>
-          </a:fontRef>
-        </p:style>
-        <p:txBody>
-          <a:bodyPr rtlCol="0" anchor="ctr"/>
-          <a:lstStyle/>
-          <a:p>
-            <a:pPr algn="ctr"/>
-            <a:endParaRPr lang="en-US"/>
+            <a:r>
+              <a:rPr lang="en-AU" sz="600" b="1" dirty="0" smtClean="0">
+                <a:solidFill>
+                  <a:schemeClr val="tx1"/>
+                </a:solidFill>
+              </a:rPr>
+              <a:t>GCP K8s deploy Seed App CRUD service</a:t>
+            </a:r>
+            <a:endParaRPr lang="en-US" sz="600" b="1" dirty="0">
+              <a:solidFill>
+                <a:schemeClr val="tx1"/>
+              </a:solidFill>
+            </a:endParaRPr>
           </a:p>
         </p:txBody>
       </p:sp>
@@ -7029,8 +6852,8 @@
         </p:nvSpPr>
         <p:spPr>
           <a:xfrm>
-            <a:off x="1608083" y="483478"/>
-            <a:ext cx="651641" cy="430924"/>
+            <a:off x="1465209" y="483478"/>
+            <a:ext cx="574166" cy="430924"/>
           </a:xfrm>
           <a:prstGeom prst="rect">
             <a:avLst/>
@@ -7071,7 +6894,19 @@
           <a:lstStyle/>
           <a:p>
             <a:pPr algn="ctr"/>
-            <a:endParaRPr lang="en-US"/>
+            <a:r>
+              <a:rPr lang="en-AU" sz="600" dirty="0" smtClean="0">
+                <a:solidFill>
+                  <a:schemeClr val="tx1"/>
+                </a:solidFill>
+              </a:rPr>
+              <a:t>1. JPA DAL CRUD</a:t>
+            </a:r>
+            <a:endParaRPr lang="en-US" sz="600" dirty="0">
+              <a:solidFill>
+                <a:schemeClr val="tx1"/>
+              </a:solidFill>
+            </a:endParaRPr>
           </a:p>
         </p:txBody>
       </p:sp>
@@ -7083,8 +6918,8 @@
         </p:nvSpPr>
         <p:spPr>
           <a:xfrm>
-            <a:off x="1602833" y="1014238"/>
-            <a:ext cx="651641" cy="430924"/>
+            <a:off x="1459959" y="1014238"/>
+            <a:ext cx="574166" cy="430924"/>
           </a:xfrm>
           <a:prstGeom prst="rect">
             <a:avLst/>
@@ -7125,7 +6960,27 @@
           <a:lstStyle/>
           <a:p>
             <a:pPr algn="ctr"/>
-            <a:endParaRPr lang="en-US"/>
+            <a:r>
+              <a:rPr lang="en-AU" sz="600" dirty="0" smtClean="0">
+                <a:solidFill>
+                  <a:schemeClr val="tx1"/>
+                </a:solidFill>
+              </a:rPr>
+              <a:t>2. JUNIT of JPA </a:t>
+            </a:r>
+            <a:r>
+              <a:rPr lang="en-AU" sz="600" dirty="0" smtClean="0">
+                <a:solidFill>
+                  <a:schemeClr val="tx1"/>
+                </a:solidFill>
+              </a:rPr>
+              <a:t>DAL CRUD</a:t>
+            </a:r>
+            <a:endParaRPr lang="en-US" sz="600" dirty="0">
+              <a:solidFill>
+                <a:schemeClr val="tx1"/>
+              </a:solidFill>
+            </a:endParaRPr>
           </a:p>
         </p:txBody>
       </p:sp>
@@ -7137,8 +6992,8 @@
         </p:nvSpPr>
         <p:spPr>
           <a:xfrm>
-            <a:off x="2370063" y="478228"/>
-            <a:ext cx="651641" cy="430924"/>
+            <a:off x="2160514" y="487753"/>
+            <a:ext cx="574166" cy="430924"/>
           </a:xfrm>
           <a:prstGeom prst="rect">
             <a:avLst/>
@@ -7179,7 +7034,27 @@
           <a:lstStyle/>
           <a:p>
             <a:pPr algn="ctr"/>
-            <a:endParaRPr lang="en-US"/>
+            <a:r>
+              <a:rPr lang="en-US" sz="600" dirty="0" smtClean="0">
+                <a:solidFill>
+                  <a:schemeClr val="tx1"/>
+                </a:solidFill>
+              </a:rPr>
+              <a:t> </a:t>
+            </a:r>
+            <a:r>
+              <a:rPr lang="en-US" sz="600" dirty="0" smtClean="0">
+                <a:solidFill>
+                  <a:schemeClr val="tx1"/>
+                </a:solidFill>
+              </a:rPr>
+              <a:t>3. REST API</a:t>
+            </a:r>
+            <a:endParaRPr lang="en-US" sz="600" dirty="0">
+              <a:solidFill>
+                <a:schemeClr val="tx1"/>
+              </a:solidFill>
+            </a:endParaRPr>
           </a:p>
         </p:txBody>
       </p:sp>
@@ -7191,8 +7066,8 @@
         </p:nvSpPr>
         <p:spPr>
           <a:xfrm>
-            <a:off x="2364813" y="1008988"/>
-            <a:ext cx="651641" cy="430924"/>
+            <a:off x="2155264" y="1018513"/>
+            <a:ext cx="574166" cy="430924"/>
           </a:xfrm>
           <a:prstGeom prst="rect">
             <a:avLst/>
@@ -7233,20 +7108,40 @@
           <a:lstStyle/>
           <a:p>
             <a:pPr algn="ctr"/>
-            <a:endParaRPr lang="en-US"/>
+            <a:r>
+              <a:rPr lang="en-US" sz="600" dirty="0" smtClean="0">
+                <a:solidFill>
+                  <a:schemeClr val="tx1"/>
+                </a:solidFill>
+              </a:rPr>
+              <a:t>4. Postman Testing of  </a:t>
+            </a:r>
+            <a:r>
+              <a:rPr lang="en-US" sz="600" dirty="0" smtClean="0">
+                <a:solidFill>
+                  <a:schemeClr val="tx1"/>
+                </a:solidFill>
+              </a:rPr>
+              <a:t>REST API</a:t>
+            </a:r>
+            <a:endParaRPr lang="en-US" sz="600" dirty="0">
+              <a:solidFill>
+                <a:schemeClr val="tx1"/>
+              </a:solidFill>
+            </a:endParaRPr>
           </a:p>
         </p:txBody>
       </p:sp>
       <p:sp>
         <p:nvSpPr>
-          <p:cNvPr id="15" name="Rectangle 14"/>
+          <p:cNvPr id="27" name="Rectangle 26"/>
           <p:cNvSpPr/>
           <p:nvPr/>
         </p:nvSpPr>
         <p:spPr>
           <a:xfrm>
-            <a:off x="1602833" y="1707898"/>
-            <a:ext cx="651641" cy="430924"/>
+            <a:off x="2854834" y="482503"/>
+            <a:ext cx="574166" cy="430924"/>
           </a:xfrm>
           <a:prstGeom prst="rect">
             <a:avLst/>
@@ -7287,20 +7182,32 @@
           <a:lstStyle/>
           <a:p>
             <a:pPr algn="ctr"/>
-            <a:endParaRPr lang="en-US"/>
+            <a:r>
+              <a:rPr lang="en-AU" sz="600" dirty="0" smtClean="0">
+                <a:solidFill>
+                  <a:schemeClr val="tx1"/>
+                </a:solidFill>
+              </a:rPr>
+              <a:t>5. Dockerize jar &amp; DB</a:t>
+            </a:r>
+            <a:endParaRPr lang="en-US" sz="600" dirty="0">
+              <a:solidFill>
+                <a:schemeClr val="tx1"/>
+              </a:solidFill>
+            </a:endParaRPr>
           </a:p>
         </p:txBody>
       </p:sp>
       <p:sp>
         <p:nvSpPr>
-          <p:cNvPr id="16" name="Rectangle 15"/>
+          <p:cNvPr id="22" name="Rectangle 21"/>
           <p:cNvSpPr/>
           <p:nvPr/>
         </p:nvSpPr>
         <p:spPr>
           <a:xfrm>
-            <a:off x="1597583" y="2238658"/>
-            <a:ext cx="651641" cy="430924"/>
+            <a:off x="2854834" y="1034953"/>
+            <a:ext cx="574166" cy="430924"/>
           </a:xfrm>
           <a:prstGeom prst="rect">
             <a:avLst/>
@@ -7341,20 +7248,32 @@
           <a:lstStyle/>
           <a:p>
             <a:pPr algn="ctr"/>
-            <a:endParaRPr lang="en-US"/>
+            <a:r>
+              <a:rPr lang="en-AU" sz="600" dirty="0" smtClean="0">
+                <a:solidFill>
+                  <a:schemeClr val="tx1"/>
+                </a:solidFill>
+              </a:rPr>
+              <a:t>6. K8s Deployment on GCP</a:t>
+            </a:r>
+            <a:endParaRPr lang="en-US" sz="600" dirty="0">
+              <a:solidFill>
+                <a:schemeClr val="tx1"/>
+              </a:solidFill>
+            </a:endParaRPr>
           </a:p>
         </p:txBody>
       </p:sp>
       <p:sp>
         <p:nvSpPr>
-          <p:cNvPr id="17" name="Rectangle 16"/>
+          <p:cNvPr id="28" name="Rectangle 27"/>
           <p:cNvSpPr/>
           <p:nvPr/>
         </p:nvSpPr>
         <p:spPr>
           <a:xfrm>
-            <a:off x="2364813" y="1702648"/>
-            <a:ext cx="651641" cy="430924"/>
+            <a:off x="3521584" y="482503"/>
+            <a:ext cx="574166" cy="430924"/>
           </a:xfrm>
           <a:prstGeom prst="rect">
             <a:avLst/>
@@ -7395,385 +7314,19 @@
           <a:lstStyle/>
           <a:p>
             <a:pPr algn="ctr"/>
-            <a:endParaRPr lang="en-US"/>
-          </a:p>
-        </p:txBody>
-      </p:sp>
-      <p:sp>
-        <p:nvSpPr>
-          <p:cNvPr id="19" name="Rectangle 18"/>
-          <p:cNvSpPr/>
-          <p:nvPr/>
-        </p:nvSpPr>
-        <p:spPr>
-          <a:xfrm>
-            <a:off x="1597583" y="2900788"/>
-            <a:ext cx="651641" cy="430924"/>
-          </a:xfrm>
-          <a:prstGeom prst="rect">
-            <a:avLst/>
-          </a:prstGeom>
-          <a:solidFill>
-            <a:schemeClr val="accent3">
-              <a:lumMod val="40000"/>
-              <a:lumOff val="60000"/>
-            </a:schemeClr>
-          </a:solidFill>
-          <a:ln>
-            <a:solidFill>
-              <a:schemeClr val="accent3">
-                <a:lumMod val="40000"/>
-                <a:lumOff val="60000"/>
-              </a:schemeClr>
-            </a:solidFill>
-          </a:ln>
-        </p:spPr>
-        <p:style>
-          <a:lnRef idx="2">
-            <a:schemeClr val="accent1">
-              <a:shade val="50000"/>
-            </a:schemeClr>
-          </a:lnRef>
-          <a:fillRef idx="1">
-            <a:schemeClr val="accent1"/>
-          </a:fillRef>
-          <a:effectRef idx="0">
-            <a:schemeClr val="accent1"/>
-          </a:effectRef>
-          <a:fontRef idx="minor">
-            <a:schemeClr val="lt1"/>
-          </a:fontRef>
-        </p:style>
-        <p:txBody>
-          <a:bodyPr rtlCol="0" anchor="ctr"/>
-          <a:lstStyle/>
-          <a:p>
-            <a:pPr algn="ctr"/>
-            <a:endParaRPr lang="en-US"/>
-          </a:p>
-        </p:txBody>
-      </p:sp>
-      <p:sp>
-        <p:nvSpPr>
-          <p:cNvPr id="20" name="Rectangle 19"/>
-          <p:cNvSpPr/>
-          <p:nvPr/>
-        </p:nvSpPr>
-        <p:spPr>
-          <a:xfrm>
-            <a:off x="1592333" y="3431548"/>
-            <a:ext cx="651641" cy="430924"/>
-          </a:xfrm>
-          <a:prstGeom prst="rect">
-            <a:avLst/>
-          </a:prstGeom>
-          <a:solidFill>
-            <a:schemeClr val="accent3">
-              <a:lumMod val="40000"/>
-              <a:lumOff val="60000"/>
-            </a:schemeClr>
-          </a:solidFill>
-          <a:ln>
-            <a:solidFill>
-              <a:schemeClr val="accent3">
-                <a:lumMod val="40000"/>
-                <a:lumOff val="60000"/>
-              </a:schemeClr>
-            </a:solidFill>
-          </a:ln>
-        </p:spPr>
-        <p:style>
-          <a:lnRef idx="2">
-            <a:schemeClr val="accent1">
-              <a:shade val="50000"/>
-            </a:schemeClr>
-          </a:lnRef>
-          <a:fillRef idx="1">
-            <a:schemeClr val="accent1"/>
-          </a:fillRef>
-          <a:effectRef idx="0">
-            <a:schemeClr val="accent1"/>
-          </a:effectRef>
-          <a:fontRef idx="minor">
-            <a:schemeClr val="lt1"/>
-          </a:fontRef>
-        </p:style>
-        <p:txBody>
-          <a:bodyPr rtlCol="0" anchor="ctr"/>
-          <a:lstStyle/>
-          <a:p>
-            <a:pPr algn="ctr"/>
-            <a:endParaRPr lang="en-US"/>
-          </a:p>
-        </p:txBody>
-      </p:sp>
-      <p:sp>
-        <p:nvSpPr>
-          <p:cNvPr id="23" name="Rectangle 22"/>
-          <p:cNvSpPr/>
-          <p:nvPr/>
-        </p:nvSpPr>
-        <p:spPr>
-          <a:xfrm>
-            <a:off x="1592333" y="4083168"/>
-            <a:ext cx="651641" cy="430924"/>
-          </a:xfrm>
-          <a:prstGeom prst="rect">
-            <a:avLst/>
-          </a:prstGeom>
-          <a:solidFill>
-            <a:schemeClr val="accent3">
-              <a:lumMod val="40000"/>
-              <a:lumOff val="60000"/>
-            </a:schemeClr>
-          </a:solidFill>
-          <a:ln>
-            <a:solidFill>
-              <a:schemeClr val="accent3">
-                <a:lumMod val="40000"/>
-                <a:lumOff val="60000"/>
-              </a:schemeClr>
-            </a:solidFill>
-          </a:ln>
-        </p:spPr>
-        <p:style>
-          <a:lnRef idx="2">
-            <a:schemeClr val="accent1">
-              <a:shade val="50000"/>
-            </a:schemeClr>
-          </a:lnRef>
-          <a:fillRef idx="1">
-            <a:schemeClr val="accent1"/>
-          </a:fillRef>
-          <a:effectRef idx="0">
-            <a:schemeClr val="accent1"/>
-          </a:effectRef>
-          <a:fontRef idx="minor">
-            <a:schemeClr val="lt1"/>
-          </a:fontRef>
-        </p:style>
-        <p:txBody>
-          <a:bodyPr rtlCol="0" anchor="ctr"/>
-          <a:lstStyle/>
-          <a:p>
-            <a:pPr algn="ctr"/>
-            <a:endParaRPr lang="en-US"/>
-          </a:p>
-        </p:txBody>
-      </p:sp>
-      <p:sp>
-        <p:nvSpPr>
-          <p:cNvPr id="24" name="Rectangle 23"/>
-          <p:cNvSpPr/>
-          <p:nvPr/>
-        </p:nvSpPr>
-        <p:spPr>
-          <a:xfrm>
-            <a:off x="1587083" y="4613928"/>
-            <a:ext cx="651641" cy="430924"/>
-          </a:xfrm>
-          <a:prstGeom prst="rect">
-            <a:avLst/>
-          </a:prstGeom>
-          <a:solidFill>
-            <a:schemeClr val="accent3">
-              <a:lumMod val="40000"/>
-              <a:lumOff val="60000"/>
-            </a:schemeClr>
-          </a:solidFill>
-          <a:ln>
-            <a:solidFill>
-              <a:schemeClr val="accent3">
-                <a:lumMod val="40000"/>
-                <a:lumOff val="60000"/>
-              </a:schemeClr>
-            </a:solidFill>
-          </a:ln>
-        </p:spPr>
-        <p:style>
-          <a:lnRef idx="2">
-            <a:schemeClr val="accent1">
-              <a:shade val="50000"/>
-            </a:schemeClr>
-          </a:lnRef>
-          <a:fillRef idx="1">
-            <a:schemeClr val="accent1"/>
-          </a:fillRef>
-          <a:effectRef idx="0">
-            <a:schemeClr val="accent1"/>
-          </a:effectRef>
-          <a:fontRef idx="minor">
-            <a:schemeClr val="lt1"/>
-          </a:fontRef>
-        </p:style>
-        <p:txBody>
-          <a:bodyPr rtlCol="0" anchor="ctr"/>
-          <a:lstStyle/>
-          <a:p>
-            <a:pPr algn="ctr"/>
-            <a:endParaRPr lang="en-US"/>
-          </a:p>
-        </p:txBody>
-      </p:sp>
-      <p:sp>
-        <p:nvSpPr>
-          <p:cNvPr id="25" name="Rectangle 24"/>
-          <p:cNvSpPr/>
-          <p:nvPr/>
-        </p:nvSpPr>
-        <p:spPr>
-          <a:xfrm>
-            <a:off x="2354313" y="4077918"/>
-            <a:ext cx="651641" cy="430924"/>
-          </a:xfrm>
-          <a:prstGeom prst="rect">
-            <a:avLst/>
-          </a:prstGeom>
-          <a:solidFill>
-            <a:schemeClr val="accent3">
-              <a:lumMod val="40000"/>
-              <a:lumOff val="60000"/>
-            </a:schemeClr>
-          </a:solidFill>
-          <a:ln>
-            <a:solidFill>
-              <a:schemeClr val="accent3">
-                <a:lumMod val="40000"/>
-                <a:lumOff val="60000"/>
-              </a:schemeClr>
-            </a:solidFill>
-          </a:ln>
-        </p:spPr>
-        <p:style>
-          <a:lnRef idx="2">
-            <a:schemeClr val="accent1">
-              <a:shade val="50000"/>
-            </a:schemeClr>
-          </a:lnRef>
-          <a:fillRef idx="1">
-            <a:schemeClr val="accent1"/>
-          </a:fillRef>
-          <a:effectRef idx="0">
-            <a:schemeClr val="accent1"/>
-          </a:effectRef>
-          <a:fontRef idx="minor">
-            <a:schemeClr val="lt1"/>
-          </a:fontRef>
-        </p:style>
-        <p:txBody>
-          <a:bodyPr rtlCol="0" anchor="ctr"/>
-          <a:lstStyle/>
-          <a:p>
-            <a:pPr algn="ctr"/>
-            <a:endParaRPr lang="en-US"/>
-          </a:p>
-        </p:txBody>
-      </p:sp>
-      <p:sp>
-        <p:nvSpPr>
-          <p:cNvPr id="26" name="Rectangle 25"/>
-          <p:cNvSpPr/>
-          <p:nvPr/>
-        </p:nvSpPr>
-        <p:spPr>
-          <a:xfrm>
-            <a:off x="2349063" y="4608678"/>
-            <a:ext cx="651641" cy="430924"/>
-          </a:xfrm>
-          <a:prstGeom prst="rect">
-            <a:avLst/>
-          </a:prstGeom>
-          <a:solidFill>
-            <a:schemeClr val="accent3">
-              <a:lumMod val="40000"/>
-              <a:lumOff val="60000"/>
-            </a:schemeClr>
-          </a:solidFill>
-          <a:ln>
-            <a:solidFill>
-              <a:schemeClr val="accent3">
-                <a:lumMod val="40000"/>
-                <a:lumOff val="60000"/>
-              </a:schemeClr>
-            </a:solidFill>
-          </a:ln>
-        </p:spPr>
-        <p:style>
-          <a:lnRef idx="2">
-            <a:schemeClr val="accent1">
-              <a:shade val="50000"/>
-            </a:schemeClr>
-          </a:lnRef>
-          <a:fillRef idx="1">
-            <a:schemeClr val="accent1"/>
-          </a:fillRef>
-          <a:effectRef idx="0">
-            <a:schemeClr val="accent1"/>
-          </a:effectRef>
-          <a:fontRef idx="minor">
-            <a:schemeClr val="lt1"/>
-          </a:fontRef>
-        </p:style>
-        <p:txBody>
-          <a:bodyPr rtlCol="0" anchor="ctr"/>
-          <a:lstStyle/>
-          <a:p>
-            <a:pPr algn="ctr"/>
-            <a:endParaRPr lang="en-US"/>
-          </a:p>
-        </p:txBody>
-      </p:sp>
-      <p:sp>
-        <p:nvSpPr>
-          <p:cNvPr id="27" name="Rectangle 26"/>
-          <p:cNvSpPr/>
-          <p:nvPr/>
-        </p:nvSpPr>
-        <p:spPr>
-          <a:xfrm>
-            <a:off x="3121533" y="472978"/>
-            <a:ext cx="651641" cy="430924"/>
-          </a:xfrm>
-          <a:prstGeom prst="rect">
-            <a:avLst/>
-          </a:prstGeom>
-          <a:solidFill>
-            <a:schemeClr val="accent3">
-              <a:lumMod val="40000"/>
-              <a:lumOff val="60000"/>
-            </a:schemeClr>
-          </a:solidFill>
-          <a:ln>
-            <a:solidFill>
-              <a:schemeClr val="accent3">
-                <a:lumMod val="40000"/>
-                <a:lumOff val="60000"/>
-              </a:schemeClr>
-            </a:solidFill>
-          </a:ln>
-        </p:spPr>
-        <p:style>
-          <a:lnRef idx="2">
-            <a:schemeClr val="accent1">
-              <a:shade val="50000"/>
-            </a:schemeClr>
-          </a:lnRef>
-          <a:fillRef idx="1">
-            <a:schemeClr val="accent1"/>
-          </a:fillRef>
-          <a:effectRef idx="0">
-            <a:schemeClr val="accent1"/>
-          </a:effectRef>
-          <a:fontRef idx="minor">
-            <a:schemeClr val="lt1"/>
-          </a:fontRef>
-        </p:style>
-        <p:txBody>
-          <a:bodyPr rtlCol="0" anchor="ctr"/>
-          <a:lstStyle/>
-          <a:p>
-            <a:pPr algn="ctr"/>
-            <a:endParaRPr lang="en-US"/>
+            <a:r>
+              <a:rPr lang="en-AU" sz="600" dirty="0" smtClean="0">
+                <a:solidFill>
+                  <a:schemeClr val="tx1"/>
+                </a:solidFill>
+              </a:rPr>
+              <a:t>7. Postman test of deployed App</a:t>
+            </a:r>
+            <a:endParaRPr lang="en-US" sz="600" dirty="0">
+              <a:solidFill>
+                <a:schemeClr val="tx1"/>
+              </a:solidFill>
+            </a:endParaRPr>
           </a:p>
         </p:txBody>
       </p:sp>

--- a/ProjectExecution/Sprint001-2020062920200711/ScrumBoard001.pptx
+++ b/ProjectExecution/Sprint001-2020062920200711/ScrumBoard001.pptx
@@ -243,7 +243,7 @@
   </p:defaultTextStyle>
   <p:extLst>
     <p:ext uri="{EFAFB233-063F-42B5-8137-9DF3F51BA10A}">
-      <p15:sldGuideLst xmlns="" xmlns:mc="http://schemas.openxmlformats.org/markup-compatibility/2006" xmlns:mv="urn:schemas-microsoft-com:mac:vml" xmlns:c="http://schemas.openxmlformats.org/drawingml/2006/chart" xmlns:dgm="http://schemas.openxmlformats.org/drawingml/2006/diagram" xmlns:o="urn:schemas-microsoft-com:office:office" xmlns:v="urn:schemas-microsoft-com:vml" xmlns:pvml="urn:schemas-microsoft-com:office:powerpoint" xmlns:com="http://schemas.openxmlformats.org/drawingml/2006/compatibility" xmlns:p14="http://schemas.microsoft.com/office/powerpoint/2010/main" xmlns:p15="http://schemas.microsoft.com/office/powerpoint/2012/main">
+      <p15:sldGuideLst xmlns:p15="http://schemas.microsoft.com/office/powerpoint/2012/main" xmlns:p14="http://schemas.microsoft.com/office/powerpoint/2010/main" xmlns:com="http://schemas.openxmlformats.org/drawingml/2006/compatibility" xmlns:pvml="urn:schemas-microsoft-com:office:powerpoint" xmlns:v="urn:schemas-microsoft-com:vml" xmlns:o="urn:schemas-microsoft-com:office:office" xmlns:dgm="http://schemas.openxmlformats.org/drawingml/2006/diagram" xmlns:c="http://schemas.openxmlformats.org/drawingml/2006/chart" xmlns:mv="urn:schemas-microsoft-com:mac:vml" xmlns:mc="http://schemas.openxmlformats.org/markup-compatibility/2006" xmlns="">
         <p15:guide id="1" orient="horz" pos="1620">
           <p15:clr>
             <a:srgbClr val="A4A3A4"/>
@@ -6966,15 +6966,7 @@
                   <a:schemeClr val="tx1"/>
                 </a:solidFill>
               </a:rPr>
-              <a:t>2. JUNIT of JPA </a:t>
-            </a:r>
-            <a:r>
-              <a:rPr lang="en-AU" sz="600" dirty="0" smtClean="0">
-                <a:solidFill>
-                  <a:schemeClr val="tx1"/>
-                </a:solidFill>
-              </a:rPr>
-              <a:t>DAL CRUD</a:t>
+              <a:t>2. JUNIT of JPA DAL CRUD</a:t>
             </a:r>
             <a:endParaRPr lang="en-US" sz="600" dirty="0">
               <a:solidFill>
@@ -7040,15 +7032,7 @@
                   <a:schemeClr val="tx1"/>
                 </a:solidFill>
               </a:rPr>
-              <a:t> </a:t>
-            </a:r>
-            <a:r>
-              <a:rPr lang="en-US" sz="600" dirty="0" smtClean="0">
-                <a:solidFill>
-                  <a:schemeClr val="tx1"/>
-                </a:solidFill>
-              </a:rPr>
-              <a:t>3. REST API</a:t>
+              <a:t> 3. REST API</a:t>
             </a:r>
             <a:endParaRPr lang="en-US" sz="600" dirty="0">
               <a:solidFill>
@@ -7114,15 +7098,7 @@
                   <a:schemeClr val="tx1"/>
                 </a:solidFill>
               </a:rPr>
-              <a:t>4. Postman Testing of  </a:t>
-            </a:r>
-            <a:r>
-              <a:rPr lang="en-US" sz="600" dirty="0" smtClean="0">
-                <a:solidFill>
-                  <a:schemeClr val="tx1"/>
-                </a:solidFill>
-              </a:rPr>
-              <a:t>REST API</a:t>
+              <a:t>4. Postman Testing of  REST API</a:t>
             </a:r>
             <a:endParaRPr lang="en-US" sz="600" dirty="0">
               <a:solidFill>
@@ -7321,6 +7297,72 @@
                 </a:solidFill>
               </a:rPr>
               <a:t>7. Postman test of deployed App</a:t>
+            </a:r>
+            <a:endParaRPr lang="en-US" sz="600" dirty="0">
+              <a:solidFill>
+                <a:schemeClr val="tx1"/>
+              </a:solidFill>
+            </a:endParaRPr>
+          </a:p>
+        </p:txBody>
+      </p:sp>
+      <p:sp>
+        <p:nvSpPr>
+          <p:cNvPr id="12" name="Rectangle 11"/>
+          <p:cNvSpPr/>
+          <p:nvPr/>
+        </p:nvSpPr>
+        <p:spPr>
+          <a:xfrm>
+            <a:off x="3521584" y="1025428"/>
+            <a:ext cx="574166" cy="430924"/>
+          </a:xfrm>
+          <a:prstGeom prst="rect">
+            <a:avLst/>
+          </a:prstGeom>
+          <a:solidFill>
+            <a:schemeClr val="accent3">
+              <a:lumMod val="40000"/>
+              <a:lumOff val="60000"/>
+            </a:schemeClr>
+          </a:solidFill>
+          <a:ln>
+            <a:solidFill>
+              <a:schemeClr val="accent3">
+                <a:lumMod val="40000"/>
+                <a:lumOff val="60000"/>
+              </a:schemeClr>
+            </a:solidFill>
+          </a:ln>
+        </p:spPr>
+        <p:style>
+          <a:lnRef idx="2">
+            <a:schemeClr val="accent1">
+              <a:shade val="50000"/>
+            </a:schemeClr>
+          </a:lnRef>
+          <a:fillRef idx="1">
+            <a:schemeClr val="accent1"/>
+          </a:fillRef>
+          <a:effectRef idx="0">
+            <a:schemeClr val="accent1"/>
+          </a:effectRef>
+          <a:fontRef idx="minor">
+            <a:schemeClr val="lt1"/>
+          </a:fontRef>
+        </p:style>
+        <p:txBody>
+          <a:bodyPr rtlCol="0" anchor="ctr"/>
+          <a:lstStyle/>
+          <a:p>
+            <a:pPr algn="ctr"/>
+            <a:r>
+              <a:rPr lang="en-AU" sz="600" dirty="0" smtClean="0">
+                <a:solidFill>
+                  <a:schemeClr val="tx1"/>
+                </a:solidFill>
+              </a:rPr>
+              <a:t>8. DB, ER design</a:t>
             </a:r>
             <a:endParaRPr lang="en-US" sz="600" dirty="0">
               <a:solidFill>

--- a/ProjectExecution/Sprint001-2020062920200711/ScrumBoard001.pptx
+++ b/ProjectExecution/Sprint001-2020062920200711/ScrumBoard001.pptx
@@ -243,7 +243,7 @@
   </p:defaultTextStyle>
   <p:extLst>
     <p:ext uri="{EFAFB233-063F-42B5-8137-9DF3F51BA10A}">
-      <p15:sldGuideLst xmlns:p15="http://schemas.microsoft.com/office/powerpoint/2012/main" xmlns:p14="http://schemas.microsoft.com/office/powerpoint/2010/main" xmlns:com="http://schemas.openxmlformats.org/drawingml/2006/compatibility" xmlns:pvml="urn:schemas-microsoft-com:office:powerpoint" xmlns:v="urn:schemas-microsoft-com:vml" xmlns:o="urn:schemas-microsoft-com:office:office" xmlns:dgm="http://schemas.openxmlformats.org/drawingml/2006/diagram" xmlns:c="http://schemas.openxmlformats.org/drawingml/2006/chart" xmlns:mv="urn:schemas-microsoft-com:mac:vml" xmlns:mc="http://schemas.openxmlformats.org/markup-compatibility/2006" xmlns="">
+      <p15:sldGuideLst xmlns="" xmlns:mc="http://schemas.openxmlformats.org/markup-compatibility/2006" xmlns:mv="urn:schemas-microsoft-com:mac:vml" xmlns:c="http://schemas.openxmlformats.org/drawingml/2006/chart" xmlns:dgm="http://schemas.openxmlformats.org/drawingml/2006/diagram" xmlns:o="urn:schemas-microsoft-com:office:office" xmlns:v="urn:schemas-microsoft-com:vml" xmlns:pvml="urn:schemas-microsoft-com:office:powerpoint" xmlns:com="http://schemas.openxmlformats.org/drawingml/2006/compatibility" xmlns:p14="http://schemas.microsoft.com/office/powerpoint/2010/main" xmlns:p15="http://schemas.microsoft.com/office/powerpoint/2012/main">
         <p15:guide id="1" orient="horz" pos="1620">
           <p15:clr>
             <a:srgbClr val="A4A3A4"/>
@@ -6852,7 +6852,7 @@
         </p:nvSpPr>
         <p:spPr>
           <a:xfrm>
-            <a:off x="1465209" y="483478"/>
+            <a:off x="7037334" y="426328"/>
             <a:ext cx="574166" cy="430924"/>
           </a:xfrm>
           <a:prstGeom prst="rect">
@@ -6984,7 +6984,7 @@
         </p:nvSpPr>
         <p:spPr>
           <a:xfrm>
-            <a:off x="2160514" y="487753"/>
+            <a:off x="4560814" y="430603"/>
             <a:ext cx="574166" cy="430924"/>
           </a:xfrm>
           <a:prstGeom prst="rect">
@@ -7050,7 +7050,7 @@
         </p:nvSpPr>
         <p:spPr>
           <a:xfrm>
-            <a:off x="2155264" y="1018513"/>
+            <a:off x="4565089" y="999463"/>
             <a:ext cx="574166" cy="430924"/>
           </a:xfrm>
           <a:prstGeom prst="rect">
@@ -7248,7 +7248,7 @@
         </p:nvSpPr>
         <p:spPr>
           <a:xfrm>
-            <a:off x="3521584" y="482503"/>
+            <a:off x="3521584" y="501553"/>
             <a:ext cx="574166" cy="430924"/>
           </a:xfrm>
           <a:prstGeom prst="rect">
